--- a/images/theory_analysis/Kubernetes_Metric_Server/Kubernetes_Metric_Server.pptx
+++ b/images/theory_analysis/Kubernetes_Metric_Server/Kubernetes_Metric_Server.pptx
@@ -3494,7 +3494,7 @@
             <a:pPr algn="ctr"/>
             <a:r>
               <a:rPr lang="en-US" altLang="ko-KR" sz="1000"/>
-              <a:t>kublet</a:t>
+              <a:t>kubelet</a:t>
             </a:r>
           </a:p>
         </p:txBody>
@@ -3747,7 +3747,7 @@
             <a:pPr algn="ctr"/>
             <a:r>
               <a:rPr lang="en-US" altLang="ko-KR" sz="1000"/>
-              <a:t>kublet</a:t>
+              <a:t>kubelet</a:t>
             </a:r>
           </a:p>
         </p:txBody>
@@ -3993,7 +3993,7 @@
             <a:pPr algn="ctr"/>
             <a:r>
               <a:rPr lang="en-US" altLang="ko-KR" sz="1000"/>
-              <a:t>kublet</a:t>
+              <a:t>kubelet</a:t>
             </a:r>
           </a:p>
         </p:txBody>
